--- a/Documents/Lecture outlines/Lecture 1/Lecture 1.pptx
+++ b/Documents/Lecture outlines/Lecture 1/Lecture 1.pptx
@@ -19,15 +19,16 @@
     <p:sldId id="273" r:id="rId13"/>
     <p:sldId id="274" r:id="rId14"/>
     <p:sldId id="275" r:id="rId15"/>
-    <p:sldId id="276" r:id="rId16"/>
-    <p:sldId id="268" r:id="rId17"/>
-    <p:sldId id="261" r:id="rId18"/>
-    <p:sldId id="262" r:id="rId19"/>
-    <p:sldId id="263" r:id="rId20"/>
-    <p:sldId id="264" r:id="rId21"/>
-    <p:sldId id="269" r:id="rId22"/>
-    <p:sldId id="270" r:id="rId23"/>
-    <p:sldId id="271" r:id="rId24"/>
+    <p:sldId id="282" r:id="rId16"/>
+    <p:sldId id="276" r:id="rId17"/>
+    <p:sldId id="268" r:id="rId18"/>
+    <p:sldId id="261" r:id="rId19"/>
+    <p:sldId id="262" r:id="rId20"/>
+    <p:sldId id="263" r:id="rId21"/>
+    <p:sldId id="264" r:id="rId22"/>
+    <p:sldId id="269" r:id="rId23"/>
+    <p:sldId id="270" r:id="rId24"/>
+    <p:sldId id="271" r:id="rId25"/>
   </p:sldIdLst>
   <p:sldSz cx="12192000" cy="6858000"/>
   <p:notesSz cx="6858000" cy="9144000"/>
@@ -283,7 +284,7 @@
           <a:p>
             <a:fld id="{5011DBB3-DD7D-42AC-956E-EDFB65DC89C3}" type="datetimeFigureOut">
               <a:rPr lang="en-GB" smtClean="0"/>
-              <a:t>28/11/2019</a:t>
+              <a:t>02/12/2019</a:t>
             </a:fld>
             <a:endParaRPr lang="en-GB"/>
           </a:p>
@@ -483,7 +484,7 @@
           <a:p>
             <a:fld id="{5011DBB3-DD7D-42AC-956E-EDFB65DC89C3}" type="datetimeFigureOut">
               <a:rPr lang="en-GB" smtClean="0"/>
-              <a:t>28/11/2019</a:t>
+              <a:t>02/12/2019</a:t>
             </a:fld>
             <a:endParaRPr lang="en-GB"/>
           </a:p>
@@ -693,7 +694,7 @@
           <a:p>
             <a:fld id="{5011DBB3-DD7D-42AC-956E-EDFB65DC89C3}" type="datetimeFigureOut">
               <a:rPr lang="en-GB" smtClean="0"/>
-              <a:t>28/11/2019</a:t>
+              <a:t>02/12/2019</a:t>
             </a:fld>
             <a:endParaRPr lang="en-GB"/>
           </a:p>
@@ -893,7 +894,7 @@
           <a:p>
             <a:fld id="{5011DBB3-DD7D-42AC-956E-EDFB65DC89C3}" type="datetimeFigureOut">
               <a:rPr lang="en-GB" smtClean="0"/>
-              <a:t>28/11/2019</a:t>
+              <a:t>02/12/2019</a:t>
             </a:fld>
             <a:endParaRPr lang="en-GB"/>
           </a:p>
@@ -1169,7 +1170,7 @@
           <a:p>
             <a:fld id="{5011DBB3-DD7D-42AC-956E-EDFB65DC89C3}" type="datetimeFigureOut">
               <a:rPr lang="en-GB" smtClean="0"/>
-              <a:t>28/11/2019</a:t>
+              <a:t>02/12/2019</a:t>
             </a:fld>
             <a:endParaRPr lang="en-GB"/>
           </a:p>
@@ -1437,7 +1438,7 @@
           <a:p>
             <a:fld id="{5011DBB3-DD7D-42AC-956E-EDFB65DC89C3}" type="datetimeFigureOut">
               <a:rPr lang="en-GB" smtClean="0"/>
-              <a:t>28/11/2019</a:t>
+              <a:t>02/12/2019</a:t>
             </a:fld>
             <a:endParaRPr lang="en-GB"/>
           </a:p>
@@ -1852,7 +1853,7 @@
           <a:p>
             <a:fld id="{5011DBB3-DD7D-42AC-956E-EDFB65DC89C3}" type="datetimeFigureOut">
               <a:rPr lang="en-GB" smtClean="0"/>
-              <a:t>28/11/2019</a:t>
+              <a:t>02/12/2019</a:t>
             </a:fld>
             <a:endParaRPr lang="en-GB"/>
           </a:p>
@@ -1994,7 +1995,7 @@
           <a:p>
             <a:fld id="{5011DBB3-DD7D-42AC-956E-EDFB65DC89C3}" type="datetimeFigureOut">
               <a:rPr lang="en-GB" smtClean="0"/>
-              <a:t>28/11/2019</a:t>
+              <a:t>02/12/2019</a:t>
             </a:fld>
             <a:endParaRPr lang="en-GB"/>
           </a:p>
@@ -2107,7 +2108,7 @@
           <a:p>
             <a:fld id="{5011DBB3-DD7D-42AC-956E-EDFB65DC89C3}" type="datetimeFigureOut">
               <a:rPr lang="en-GB" smtClean="0"/>
-              <a:t>28/11/2019</a:t>
+              <a:t>02/12/2019</a:t>
             </a:fld>
             <a:endParaRPr lang="en-GB"/>
           </a:p>
@@ -2420,7 +2421,7 @@
           <a:p>
             <a:fld id="{5011DBB3-DD7D-42AC-956E-EDFB65DC89C3}" type="datetimeFigureOut">
               <a:rPr lang="en-GB" smtClean="0"/>
-              <a:t>28/11/2019</a:t>
+              <a:t>02/12/2019</a:t>
             </a:fld>
             <a:endParaRPr lang="en-GB"/>
           </a:p>
@@ -2709,7 +2710,7 @@
           <a:p>
             <a:fld id="{5011DBB3-DD7D-42AC-956E-EDFB65DC89C3}" type="datetimeFigureOut">
               <a:rPr lang="en-GB" smtClean="0"/>
-              <a:t>28/11/2019</a:t>
+              <a:t>02/12/2019</a:t>
             </a:fld>
             <a:endParaRPr lang="en-GB"/>
           </a:p>
@@ -2786,9 +2787,39 @@
 <p:sldMaster xmlns:a="http://schemas.openxmlformats.org/drawingml/2006/main" xmlns:r="http://schemas.openxmlformats.org/officeDocument/2006/relationships" xmlns:p="http://schemas.openxmlformats.org/presentationml/2006/main">
   <p:cSld>
     <p:bg>
-      <p:bgRef idx="1001">
-        <a:schemeClr val="bg1"/>
-      </p:bgRef>
+      <p:bgPr>
+        <a:gradFill flip="none" rotWithShape="1">
+          <a:gsLst>
+            <a:gs pos="0">
+              <a:schemeClr val="accent1">
+                <a:lumMod val="5000"/>
+                <a:lumOff val="95000"/>
+              </a:schemeClr>
+            </a:gs>
+            <a:gs pos="74000">
+              <a:schemeClr val="accent1">
+                <a:lumMod val="45000"/>
+                <a:lumOff val="55000"/>
+              </a:schemeClr>
+            </a:gs>
+            <a:gs pos="83000">
+              <a:schemeClr val="accent1">
+                <a:lumMod val="45000"/>
+                <a:lumOff val="55000"/>
+              </a:schemeClr>
+            </a:gs>
+            <a:gs pos="100000">
+              <a:schemeClr val="accent1">
+                <a:lumMod val="30000"/>
+                <a:lumOff val="70000"/>
+              </a:schemeClr>
+            </a:gs>
+          </a:gsLst>
+          <a:lin ang="5400000" scaled="1"/>
+          <a:tileRect/>
+        </a:gradFill>
+        <a:effectLst/>
+      </p:bgPr>
     </p:bg>
     <p:spTree>
       <p:nvGrpSpPr>
@@ -2952,7 +2983,7 @@
           <a:p>
             <a:fld id="{5011DBB3-DD7D-42AC-956E-EDFB65DC89C3}" type="datetimeFigureOut">
               <a:rPr lang="en-GB" smtClean="0"/>
-              <a:t>28/11/2019</a:t>
+              <a:t>02/12/2019</a:t>
             </a:fld>
             <a:endParaRPr lang="en-GB"/>
           </a:p>
@@ -3560,10 +3591,10 @@
       </p:sp>
       <p:grpSp>
         <p:nvGrpSpPr>
-          <p:cNvPr id="10" name="Group 9">
-            <a:extLst>
-              <a:ext uri="{FF2B5EF4-FFF2-40B4-BE49-F238E27FC236}">
-                <a16:creationId xmlns:a16="http://schemas.microsoft.com/office/drawing/2014/main" id="{F6F13892-E450-45BB-A3D4-B5A84053DFB3}"/>
+          <p:cNvPr id="11" name="Group 10">
+            <a:extLst>
+              <a:ext uri="{FF2B5EF4-FFF2-40B4-BE49-F238E27FC236}">
+                <a16:creationId xmlns:a16="http://schemas.microsoft.com/office/drawing/2014/main" id="{6617BAF7-6DBC-4E8F-983A-0C37C9761732}"/>
               </a:ext>
             </a:extLst>
           </p:cNvPr>
@@ -3580,10 +3611,10 @@
         </p:grpSpPr>
         <p:sp>
           <p:nvSpPr>
-            <p:cNvPr id="4" name="Rectangle 3">
+            <p:cNvPr id="12" name="Rectangle 11">
               <a:extLst>
                 <a:ext uri="{FF2B5EF4-FFF2-40B4-BE49-F238E27FC236}">
-                  <a16:creationId xmlns:a16="http://schemas.microsoft.com/office/drawing/2014/main" id="{F709E8B6-75D7-45EB-90F5-C2725BAAEF24}"/>
+                  <a16:creationId xmlns:a16="http://schemas.microsoft.com/office/drawing/2014/main" id="{635CDF72-D128-46E8-9FB7-2453FBA7AE90}"/>
                 </a:ext>
               </a:extLst>
             </p:cNvPr>
@@ -3629,10 +3660,10 @@
         </p:sp>
         <p:sp>
           <p:nvSpPr>
-            <p:cNvPr id="5" name="Rectangle 4">
+            <p:cNvPr id="13" name="Rectangle 12">
               <a:extLst>
                 <a:ext uri="{FF2B5EF4-FFF2-40B4-BE49-F238E27FC236}">
-                  <a16:creationId xmlns:a16="http://schemas.microsoft.com/office/drawing/2014/main" id="{BA7ABF24-F544-47DA-93E9-C0E779071524}"/>
+                  <a16:creationId xmlns:a16="http://schemas.microsoft.com/office/drawing/2014/main" id="{9D2BD9EE-68A1-4A0F-AEF5-DC4C7EED0AF1}"/>
                 </a:ext>
               </a:extLst>
             </p:cNvPr>
@@ -3678,10 +3709,10 @@
         </p:sp>
         <p:sp>
           <p:nvSpPr>
-            <p:cNvPr id="6" name="Rectangle 5">
+            <p:cNvPr id="14" name="Rectangle 13">
               <a:extLst>
                 <a:ext uri="{FF2B5EF4-FFF2-40B4-BE49-F238E27FC236}">
-                  <a16:creationId xmlns:a16="http://schemas.microsoft.com/office/drawing/2014/main" id="{B03DFA24-990F-41CC-A02F-75D9E382691B}"/>
+                  <a16:creationId xmlns:a16="http://schemas.microsoft.com/office/drawing/2014/main" id="{389200E7-8AAD-4C30-904C-7C808D877EA8}"/>
                 </a:ext>
               </a:extLst>
             </p:cNvPr>
@@ -3727,10 +3758,10 @@
         </p:sp>
         <p:sp>
           <p:nvSpPr>
-            <p:cNvPr id="7" name="Rectangle 6">
+            <p:cNvPr id="15" name="Rectangle 14">
               <a:extLst>
                 <a:ext uri="{FF2B5EF4-FFF2-40B4-BE49-F238E27FC236}">
-                  <a16:creationId xmlns:a16="http://schemas.microsoft.com/office/drawing/2014/main" id="{F93CFFF4-B1E6-4A01-96F0-498CA4B28D3C}"/>
+                  <a16:creationId xmlns:a16="http://schemas.microsoft.com/office/drawing/2014/main" id="{809D87E9-FE83-41CC-BA4B-7907AC58ACF1}"/>
                 </a:ext>
               </a:extLst>
             </p:cNvPr>
@@ -3776,10 +3807,10 @@
         </p:sp>
         <p:sp>
           <p:nvSpPr>
-            <p:cNvPr id="8" name="Oval 7">
+            <p:cNvPr id="16" name="Oval 15">
               <a:extLst>
                 <a:ext uri="{FF2B5EF4-FFF2-40B4-BE49-F238E27FC236}">
-                  <a16:creationId xmlns:a16="http://schemas.microsoft.com/office/drawing/2014/main" id="{F77A68F9-C2EE-46F5-9AEB-DDA3AB5C8371}"/>
+                  <a16:creationId xmlns:a16="http://schemas.microsoft.com/office/drawing/2014/main" id="{C1F5524E-E8D3-45DF-995C-24347ECEE271}"/>
                 </a:ext>
               </a:extLst>
             </p:cNvPr>
@@ -3825,10 +3856,10 @@
         </p:sp>
         <p:sp>
           <p:nvSpPr>
-            <p:cNvPr id="9" name="Oval 8">
+            <p:cNvPr id="17" name="Oval 16">
               <a:extLst>
                 <a:ext uri="{FF2B5EF4-FFF2-40B4-BE49-F238E27FC236}">
-                  <a16:creationId xmlns:a16="http://schemas.microsoft.com/office/drawing/2014/main" id="{6005EC8A-8FC2-4172-A4C2-60B68F0ACBF1}"/>
+                  <a16:creationId xmlns:a16="http://schemas.microsoft.com/office/drawing/2014/main" id="{BBAFAC40-DA71-49DC-A657-08CCC5A88E14}"/>
                 </a:ext>
               </a:extLst>
             </p:cNvPr>
@@ -3837,7 +3868,7 @@
           </p:nvSpPr>
           <p:spPr>
             <a:xfrm>
-              <a:off x="1944414" y="3216163"/>
+              <a:off x="1953348" y="3190037"/>
               <a:ext cx="1555706" cy="1145628"/>
             </a:xfrm>
             <a:prstGeom prst="ellipse">
@@ -3868,7 +3899,7 @@
             <a:lstStyle/>
             <a:p>
               <a:pPr algn="ctr"/>
-              <a:endParaRPr lang="en-GB"/>
+              <a:endParaRPr lang="en-GB" dirty="0"/>
             </a:p>
           </p:txBody>
         </p:sp>
@@ -4002,10 +4033,10 @@
       </p:sp>
       <p:grpSp>
         <p:nvGrpSpPr>
-          <p:cNvPr id="13" name="Group 12">
-            <a:extLst>
-              <a:ext uri="{FF2B5EF4-FFF2-40B4-BE49-F238E27FC236}">
-                <a16:creationId xmlns:a16="http://schemas.microsoft.com/office/drawing/2014/main" id="{64C8003D-3190-40C5-A1BE-60E1763A5880}"/>
+          <p:cNvPr id="12" name="Group 11">
+            <a:extLst>
+              <a:ext uri="{FF2B5EF4-FFF2-40B4-BE49-F238E27FC236}">
+                <a16:creationId xmlns:a16="http://schemas.microsoft.com/office/drawing/2014/main" id="{DF5D5368-A5DE-4952-9227-FCC876F6A37B}"/>
               </a:ext>
             </a:extLst>
           </p:cNvPr>
@@ -4014,18 +4045,18 @@
         </p:nvGrpSpPr>
         <p:grpSpPr>
           <a:xfrm>
-            <a:off x="1609835" y="2636215"/>
+            <a:off x="1651876" y="2606566"/>
             <a:ext cx="9936480" cy="1402080"/>
-            <a:chOff x="1609835" y="2636215"/>
+            <a:chOff x="1778000" y="3048000"/>
             <a:chExt cx="9936480" cy="1402080"/>
           </a:xfrm>
         </p:grpSpPr>
         <p:sp>
           <p:nvSpPr>
-            <p:cNvPr id="4" name="Rectangle 3">
+            <p:cNvPr id="14" name="Rectangle 13">
               <a:extLst>
                 <a:ext uri="{FF2B5EF4-FFF2-40B4-BE49-F238E27FC236}">
-                  <a16:creationId xmlns:a16="http://schemas.microsoft.com/office/drawing/2014/main" id="{F709E8B6-75D7-45EB-90F5-C2725BAAEF24}"/>
+                  <a16:creationId xmlns:a16="http://schemas.microsoft.com/office/drawing/2014/main" id="{5915C284-3717-450B-B732-A521EC6CEEF7}"/>
                 </a:ext>
               </a:extLst>
             </p:cNvPr>
@@ -4034,7 +4065,7 @@
           </p:nvSpPr>
           <p:spPr>
             <a:xfrm>
-              <a:off x="1609835" y="2636215"/>
+              <a:off x="1778000" y="3048000"/>
               <a:ext cx="1828800" cy="1402080"/>
             </a:xfrm>
             <a:prstGeom prst="rect">
@@ -4071,10 +4102,10 @@
         </p:sp>
         <p:sp>
           <p:nvSpPr>
-            <p:cNvPr id="5" name="Rectangle 4">
+            <p:cNvPr id="15" name="Rectangle 14">
               <a:extLst>
                 <a:ext uri="{FF2B5EF4-FFF2-40B4-BE49-F238E27FC236}">
-                  <a16:creationId xmlns:a16="http://schemas.microsoft.com/office/drawing/2014/main" id="{BA7ABF24-F544-47DA-93E9-C0E779071524}"/>
+                  <a16:creationId xmlns:a16="http://schemas.microsoft.com/office/drawing/2014/main" id="{43A0E595-45E2-42FD-9880-6A20528C6AA0}"/>
                 </a:ext>
               </a:extLst>
             </p:cNvPr>
@@ -4083,7 +4114,7 @@
           </p:nvSpPr>
           <p:spPr>
             <a:xfrm>
-              <a:off x="3438635" y="3113735"/>
+              <a:off x="3606800" y="3525520"/>
               <a:ext cx="3302000" cy="487680"/>
             </a:xfrm>
             <a:prstGeom prst="rect">
@@ -4120,10 +4151,10 @@
         </p:sp>
         <p:sp>
           <p:nvSpPr>
-            <p:cNvPr id="6" name="Rectangle 5">
+            <p:cNvPr id="16" name="Rectangle 15">
               <a:extLst>
                 <a:ext uri="{FF2B5EF4-FFF2-40B4-BE49-F238E27FC236}">
-                  <a16:creationId xmlns:a16="http://schemas.microsoft.com/office/drawing/2014/main" id="{B03DFA24-990F-41CC-A02F-75D9E382691B}"/>
+                  <a16:creationId xmlns:a16="http://schemas.microsoft.com/office/drawing/2014/main" id="{94D69086-6474-452F-9135-315632A3DDF6}"/>
                 </a:ext>
               </a:extLst>
             </p:cNvPr>
@@ -4132,7 +4163,7 @@
           </p:nvSpPr>
           <p:spPr>
             <a:xfrm>
-              <a:off x="6740635" y="2636215"/>
+              <a:off x="6908800" y="3048000"/>
               <a:ext cx="4185920" cy="1402080"/>
             </a:xfrm>
             <a:prstGeom prst="rect">
@@ -4169,10 +4200,10 @@
         </p:sp>
         <p:sp>
           <p:nvSpPr>
-            <p:cNvPr id="7" name="Rectangle 6">
+            <p:cNvPr id="17" name="Rectangle 16">
               <a:extLst>
                 <a:ext uri="{FF2B5EF4-FFF2-40B4-BE49-F238E27FC236}">
-                  <a16:creationId xmlns:a16="http://schemas.microsoft.com/office/drawing/2014/main" id="{F93CFFF4-B1E6-4A01-96F0-498CA4B28D3C}"/>
+                  <a16:creationId xmlns:a16="http://schemas.microsoft.com/office/drawing/2014/main" id="{3ECD4DBA-9814-490E-B12E-02F645FA721F}"/>
                 </a:ext>
               </a:extLst>
             </p:cNvPr>
@@ -4181,7 +4212,7 @@
           </p:nvSpPr>
           <p:spPr>
             <a:xfrm>
-              <a:off x="10926555" y="3017215"/>
+              <a:off x="11094720" y="3429000"/>
               <a:ext cx="619760" cy="482600"/>
             </a:xfrm>
             <a:prstGeom prst="rect">
@@ -4218,10 +4249,10 @@
         </p:sp>
         <p:sp>
           <p:nvSpPr>
-            <p:cNvPr id="8" name="Oval 7">
+            <p:cNvPr id="18" name="Oval 17">
               <a:extLst>
                 <a:ext uri="{FF2B5EF4-FFF2-40B4-BE49-F238E27FC236}">
-                  <a16:creationId xmlns:a16="http://schemas.microsoft.com/office/drawing/2014/main" id="{F77A68F9-C2EE-46F5-9AEB-DDA3AB5C8371}"/>
+                  <a16:creationId xmlns:a16="http://schemas.microsoft.com/office/drawing/2014/main" id="{5552E63A-3831-441F-8A90-83A4D7823C03}"/>
                 </a:ext>
               </a:extLst>
             </p:cNvPr>
@@ -4230,7 +4261,7 @@
           </p:nvSpPr>
           <p:spPr>
             <a:xfrm>
-              <a:off x="11185635" y="3314078"/>
+              <a:off x="11353800" y="3725863"/>
               <a:ext cx="106680" cy="73977"/>
             </a:xfrm>
             <a:prstGeom prst="ellipse">
@@ -4267,10 +4298,10 @@
         </p:sp>
         <p:sp>
           <p:nvSpPr>
-            <p:cNvPr id="11" name="Oval 10">
+            <p:cNvPr id="19" name="Oval 18">
               <a:extLst>
                 <a:ext uri="{FF2B5EF4-FFF2-40B4-BE49-F238E27FC236}">
-                  <a16:creationId xmlns:a16="http://schemas.microsoft.com/office/drawing/2014/main" id="{CB2D9ECC-A9FC-4CBF-A29D-13993DAD4665}"/>
+                  <a16:creationId xmlns:a16="http://schemas.microsoft.com/office/drawing/2014/main" id="{03A160EC-FB3E-4728-8987-22CE89E21A99}"/>
                 </a:ext>
               </a:extLst>
             </p:cNvPr>
@@ -4279,57 +4310,8 @@
           </p:nvSpPr>
           <p:spPr>
             <a:xfrm>
-              <a:off x="2729014" y="3193465"/>
-              <a:ext cx="2521430" cy="306350"/>
-            </a:xfrm>
-            <a:prstGeom prst="ellipse">
-              <a:avLst/>
-            </a:prstGeom>
-            <a:solidFill>
-              <a:srgbClr val="FF0000"/>
-            </a:solidFill>
-          </p:spPr>
-          <p:style>
-            <a:lnRef idx="2">
-              <a:schemeClr val="accent1">
-                <a:shade val="50000"/>
-              </a:schemeClr>
-            </a:lnRef>
-            <a:fillRef idx="1">
-              <a:schemeClr val="accent1"/>
-            </a:fillRef>
-            <a:effectRef idx="0">
-              <a:schemeClr val="accent1"/>
-            </a:effectRef>
-            <a:fontRef idx="minor">
-              <a:schemeClr val="lt1"/>
-            </a:fontRef>
-          </p:style>
-          <p:txBody>
-            <a:bodyPr rtlCol="0" anchor="ctr"/>
-            <a:lstStyle/>
-            <a:p>
-              <a:pPr algn="ctr"/>
-              <a:endParaRPr lang="en-GB"/>
-            </a:p>
-          </p:txBody>
-        </p:sp>
-        <p:sp>
-          <p:nvSpPr>
-            <p:cNvPr id="9" name="Oval 8">
-              <a:extLst>
-                <a:ext uri="{FF2B5EF4-FFF2-40B4-BE49-F238E27FC236}">
-                  <a16:creationId xmlns:a16="http://schemas.microsoft.com/office/drawing/2014/main" id="{6005EC8A-8FC2-4172-A4C2-60B68F0ACBF1}"/>
-                </a:ext>
-              </a:extLst>
-            </p:cNvPr>
-            <p:cNvSpPr/>
-            <p:nvPr/>
-          </p:nvSpPr>
-          <p:spPr>
-            <a:xfrm>
-              <a:off x="2160929" y="2895077"/>
-              <a:ext cx="1308450" cy="943654"/>
+              <a:off x="2168372" y="3196546"/>
+              <a:ext cx="1555706" cy="1145628"/>
             </a:xfrm>
             <a:prstGeom prst="ellipse">
               <a:avLst/>
@@ -4364,6 +4346,55 @@
           </p:txBody>
         </p:sp>
       </p:grpSp>
+      <p:sp>
+        <p:nvSpPr>
+          <p:cNvPr id="20" name="Oval 19">
+            <a:extLst>
+              <a:ext uri="{FF2B5EF4-FFF2-40B4-BE49-F238E27FC236}">
+                <a16:creationId xmlns:a16="http://schemas.microsoft.com/office/drawing/2014/main" id="{399332BE-0E8D-43EF-96A9-3F14FDA5CB91}"/>
+              </a:ext>
+            </a:extLst>
+          </p:cNvPr>
+          <p:cNvSpPr/>
+          <p:nvPr/>
+        </p:nvSpPr>
+        <p:spPr>
+          <a:xfrm>
+            <a:off x="2995317" y="3140376"/>
+            <a:ext cx="1355922" cy="362082"/>
+          </a:xfrm>
+          <a:prstGeom prst="ellipse">
+            <a:avLst/>
+          </a:prstGeom>
+          <a:solidFill>
+            <a:srgbClr val="FF0000"/>
+          </a:solidFill>
+        </p:spPr>
+        <p:style>
+          <a:lnRef idx="2">
+            <a:schemeClr val="accent1">
+              <a:shade val="50000"/>
+            </a:schemeClr>
+          </a:lnRef>
+          <a:fillRef idx="1">
+            <a:schemeClr val="accent1"/>
+          </a:fillRef>
+          <a:effectRef idx="0">
+            <a:schemeClr val="accent1"/>
+          </a:effectRef>
+          <a:fontRef idx="minor">
+            <a:schemeClr val="lt1"/>
+          </a:fontRef>
+        </p:style>
+        <p:txBody>
+          <a:bodyPr rtlCol="0" anchor="ctr"/>
+          <a:lstStyle/>
+          <a:p>
+            <a:pPr algn="ctr"/>
+            <a:endParaRPr lang="en-GB" dirty="0"/>
+          </a:p>
+        </p:txBody>
+      </p:sp>
     </p:spTree>
     <p:extLst>
       <p:ext uri="{BB962C8B-B14F-4D97-AF65-F5344CB8AC3E}">
@@ -5426,10 +5457,10 @@
       </p:sp>
       <p:grpSp>
         <p:nvGrpSpPr>
-          <p:cNvPr id="10" name="Group 9">
-            <a:extLst>
-              <a:ext uri="{FF2B5EF4-FFF2-40B4-BE49-F238E27FC236}">
-                <a16:creationId xmlns:a16="http://schemas.microsoft.com/office/drawing/2014/main" id="{F6F13892-E450-45BB-A3D4-B5A84053DFB3}"/>
+          <p:cNvPr id="11" name="Group 10">
+            <a:extLst>
+              <a:ext uri="{FF2B5EF4-FFF2-40B4-BE49-F238E27FC236}">
+                <a16:creationId xmlns:a16="http://schemas.microsoft.com/office/drawing/2014/main" id="{9E23AAEA-9F6B-4EAF-9293-A27089FBC45A}"/>
               </a:ext>
             </a:extLst>
           </p:cNvPr>
@@ -5438,7 +5469,7 @@
         </p:nvGrpSpPr>
         <p:grpSpPr>
           <a:xfrm>
-            <a:off x="1127760" y="2727960"/>
+            <a:off x="1651876" y="2606566"/>
             <a:ext cx="9936480" cy="1402080"/>
             <a:chOff x="1778000" y="3048000"/>
             <a:chExt cx="9936480" cy="1402080"/>
@@ -5446,10 +5477,10 @@
         </p:grpSpPr>
         <p:sp>
           <p:nvSpPr>
-            <p:cNvPr id="4" name="Rectangle 3">
+            <p:cNvPr id="12" name="Rectangle 11">
               <a:extLst>
                 <a:ext uri="{FF2B5EF4-FFF2-40B4-BE49-F238E27FC236}">
-                  <a16:creationId xmlns:a16="http://schemas.microsoft.com/office/drawing/2014/main" id="{F709E8B6-75D7-45EB-90F5-C2725BAAEF24}"/>
+                  <a16:creationId xmlns:a16="http://schemas.microsoft.com/office/drawing/2014/main" id="{BAFF4768-0B33-4FE6-A993-A5D459AB1A2D}"/>
                 </a:ext>
               </a:extLst>
             </p:cNvPr>
@@ -5495,10 +5526,10 @@
         </p:sp>
         <p:sp>
           <p:nvSpPr>
-            <p:cNvPr id="5" name="Rectangle 4">
+            <p:cNvPr id="13" name="Rectangle 12">
               <a:extLst>
                 <a:ext uri="{FF2B5EF4-FFF2-40B4-BE49-F238E27FC236}">
-                  <a16:creationId xmlns:a16="http://schemas.microsoft.com/office/drawing/2014/main" id="{BA7ABF24-F544-47DA-93E9-C0E779071524}"/>
+                  <a16:creationId xmlns:a16="http://schemas.microsoft.com/office/drawing/2014/main" id="{0F8C44DD-E71D-4F1B-9C13-3502E152B6BF}"/>
                 </a:ext>
               </a:extLst>
             </p:cNvPr>
@@ -5544,10 +5575,10 @@
         </p:sp>
         <p:sp>
           <p:nvSpPr>
-            <p:cNvPr id="6" name="Rectangle 5">
+            <p:cNvPr id="14" name="Rectangle 13">
               <a:extLst>
                 <a:ext uri="{FF2B5EF4-FFF2-40B4-BE49-F238E27FC236}">
-                  <a16:creationId xmlns:a16="http://schemas.microsoft.com/office/drawing/2014/main" id="{B03DFA24-990F-41CC-A02F-75D9E382691B}"/>
+                  <a16:creationId xmlns:a16="http://schemas.microsoft.com/office/drawing/2014/main" id="{E5E16676-C38A-4D5F-837E-9FDEE5E390D6}"/>
                 </a:ext>
               </a:extLst>
             </p:cNvPr>
@@ -5593,10 +5624,10 @@
         </p:sp>
         <p:sp>
           <p:nvSpPr>
-            <p:cNvPr id="7" name="Rectangle 6">
+            <p:cNvPr id="15" name="Rectangle 14">
               <a:extLst>
                 <a:ext uri="{FF2B5EF4-FFF2-40B4-BE49-F238E27FC236}">
-                  <a16:creationId xmlns:a16="http://schemas.microsoft.com/office/drawing/2014/main" id="{F93CFFF4-B1E6-4A01-96F0-498CA4B28D3C}"/>
+                  <a16:creationId xmlns:a16="http://schemas.microsoft.com/office/drawing/2014/main" id="{15229E40-8307-4A89-BDD7-1F80D9EC8FB7}"/>
                 </a:ext>
               </a:extLst>
             </p:cNvPr>
@@ -5642,10 +5673,10 @@
         </p:sp>
         <p:sp>
           <p:nvSpPr>
-            <p:cNvPr id="8" name="Oval 7">
+            <p:cNvPr id="16" name="Oval 15">
               <a:extLst>
                 <a:ext uri="{FF2B5EF4-FFF2-40B4-BE49-F238E27FC236}">
-                  <a16:creationId xmlns:a16="http://schemas.microsoft.com/office/drawing/2014/main" id="{F77A68F9-C2EE-46F5-9AEB-DDA3AB5C8371}"/>
+                  <a16:creationId xmlns:a16="http://schemas.microsoft.com/office/drawing/2014/main" id="{97E761DC-4D6C-48CB-B8F2-E6EE020BBB5A}"/>
                 </a:ext>
               </a:extLst>
             </p:cNvPr>
@@ -5691,10 +5722,10 @@
         </p:sp>
         <p:sp>
           <p:nvSpPr>
-            <p:cNvPr id="9" name="Oval 8">
+            <p:cNvPr id="17" name="Oval 16">
               <a:extLst>
                 <a:ext uri="{FF2B5EF4-FFF2-40B4-BE49-F238E27FC236}">
-                  <a16:creationId xmlns:a16="http://schemas.microsoft.com/office/drawing/2014/main" id="{6005EC8A-8FC2-4172-A4C2-60B68F0ACBF1}"/>
+                  <a16:creationId xmlns:a16="http://schemas.microsoft.com/office/drawing/2014/main" id="{67ACBAB4-321B-4DE1-922A-CF9844DD36D1}"/>
                 </a:ext>
               </a:extLst>
             </p:cNvPr>
@@ -5703,7 +5734,7 @@
           </p:nvSpPr>
           <p:spPr>
             <a:xfrm>
-              <a:off x="9539014" y="3112469"/>
+              <a:off x="7792720" y="3227026"/>
               <a:ext cx="1555706" cy="1145628"/>
             </a:xfrm>
             <a:prstGeom prst="ellipse">
@@ -5774,6 +5805,448 @@
           <p:cNvPr id="2" name="Title 1">
             <a:extLst>
               <a:ext uri="{FF2B5EF4-FFF2-40B4-BE49-F238E27FC236}">
+                <a16:creationId xmlns:a16="http://schemas.microsoft.com/office/drawing/2014/main" id="{7526AA52-CFF5-42B6-AE00-50F412B99E8A}"/>
+              </a:ext>
+            </a:extLst>
+          </p:cNvPr>
+          <p:cNvSpPr>
+            <a:spLocks noGrp="1"/>
+          </p:cNvSpPr>
+          <p:nvPr>
+            <p:ph type="title"/>
+          </p:nvPr>
+        </p:nvSpPr>
+        <p:spPr/>
+        <p:txBody>
+          <a:bodyPr/>
+          <a:lstStyle/>
+          <a:p>
+            <a:r>
+              <a:rPr lang="en-GB" dirty="0"/>
+              <a:t>Hydraulic model: introduction</a:t>
+            </a:r>
+          </a:p>
+        </p:txBody>
+      </p:sp>
+      <p:sp>
+        <p:nvSpPr>
+          <p:cNvPr id="3" name="Content Placeholder 2">
+            <a:extLst>
+              <a:ext uri="{FF2B5EF4-FFF2-40B4-BE49-F238E27FC236}">
+                <a16:creationId xmlns:a16="http://schemas.microsoft.com/office/drawing/2014/main" id="{29718303-3AB3-4128-8D37-58CF61A280CC}"/>
+              </a:ext>
+            </a:extLst>
+          </p:cNvPr>
+          <p:cNvSpPr>
+            <a:spLocks noGrp="1"/>
+          </p:cNvSpPr>
+          <p:nvPr>
+            <p:ph idx="1"/>
+          </p:nvPr>
+        </p:nvSpPr>
+        <p:spPr/>
+        <p:txBody>
+          <a:bodyPr>
+            <a:normAutofit fontScale="92500" lnSpcReduction="20000"/>
+          </a:bodyPr>
+          <a:lstStyle/>
+          <a:p>
+            <a:r>
+              <a:rPr lang="en-GB" dirty="0"/>
+              <a:t>Elements and transitions</a:t>
+            </a:r>
+          </a:p>
+          <a:p>
+            <a:endParaRPr lang="en-GB" dirty="0"/>
+          </a:p>
+          <a:p>
+            <a:endParaRPr lang="en-GB" dirty="0"/>
+          </a:p>
+          <a:p>
+            <a:endParaRPr lang="en-GB" dirty="0"/>
+          </a:p>
+          <a:p>
+            <a:endParaRPr lang="en-GB" dirty="0"/>
+          </a:p>
+          <a:p>
+            <a:endParaRPr lang="en-GB" dirty="0"/>
+          </a:p>
+          <a:p>
+            <a:r>
+              <a:rPr lang="en-GB" dirty="0"/>
+              <a:t>Solve a quadratic in density either side of a transition</a:t>
+            </a:r>
+          </a:p>
+          <a:p>
+            <a:r>
+              <a:rPr lang="en-GB" dirty="0"/>
+              <a:t>Use that density to solve for speed and flow rate.</a:t>
+            </a:r>
+          </a:p>
+          <a:p>
+            <a:r>
+              <a:rPr lang="en-GB" dirty="0"/>
+              <a:t>That informs time taken for traversal</a:t>
+            </a:r>
+          </a:p>
+          <a:p>
+            <a:r>
+              <a:rPr lang="en-GB" dirty="0"/>
+              <a:t>Finally, add up all the times taken to evacuate</a:t>
+            </a:r>
+          </a:p>
+        </p:txBody>
+      </p:sp>
+      <p:grpSp>
+        <p:nvGrpSpPr>
+          <p:cNvPr id="11" name="Group 10">
+            <a:extLst>
+              <a:ext uri="{FF2B5EF4-FFF2-40B4-BE49-F238E27FC236}">
+                <a16:creationId xmlns:a16="http://schemas.microsoft.com/office/drawing/2014/main" id="{9E23AAEA-9F6B-4EAF-9293-A27089FBC45A}"/>
+              </a:ext>
+            </a:extLst>
+          </p:cNvPr>
+          <p:cNvGrpSpPr/>
+          <p:nvPr/>
+        </p:nvGrpSpPr>
+        <p:grpSpPr>
+          <a:xfrm>
+            <a:off x="1651876" y="2606566"/>
+            <a:ext cx="9936480" cy="1402080"/>
+            <a:chOff x="1778000" y="3048000"/>
+            <a:chExt cx="9936480" cy="1402080"/>
+          </a:xfrm>
+        </p:grpSpPr>
+        <p:sp>
+          <p:nvSpPr>
+            <p:cNvPr id="12" name="Rectangle 11">
+              <a:extLst>
+                <a:ext uri="{FF2B5EF4-FFF2-40B4-BE49-F238E27FC236}">
+                  <a16:creationId xmlns:a16="http://schemas.microsoft.com/office/drawing/2014/main" id="{BAFF4768-0B33-4FE6-A993-A5D459AB1A2D}"/>
+                </a:ext>
+              </a:extLst>
+            </p:cNvPr>
+            <p:cNvSpPr/>
+            <p:nvPr/>
+          </p:nvSpPr>
+          <p:spPr>
+            <a:xfrm>
+              <a:off x="1778000" y="3048000"/>
+              <a:ext cx="1828800" cy="1402080"/>
+            </a:xfrm>
+            <a:prstGeom prst="rect">
+              <a:avLst/>
+            </a:prstGeom>
+            <a:solidFill>
+              <a:schemeClr val="bg1"/>
+            </a:solidFill>
+          </p:spPr>
+          <p:style>
+            <a:lnRef idx="2">
+              <a:schemeClr val="accent1">
+                <a:shade val="50000"/>
+              </a:schemeClr>
+            </a:lnRef>
+            <a:fillRef idx="1">
+              <a:schemeClr val="accent1"/>
+            </a:fillRef>
+            <a:effectRef idx="0">
+              <a:schemeClr val="accent1"/>
+            </a:effectRef>
+            <a:fontRef idx="minor">
+              <a:schemeClr val="lt1"/>
+            </a:fontRef>
+          </p:style>
+          <p:txBody>
+            <a:bodyPr rtlCol="0" anchor="ctr"/>
+            <a:lstStyle/>
+            <a:p>
+              <a:pPr algn="ctr"/>
+              <a:endParaRPr lang="en-GB"/>
+            </a:p>
+          </p:txBody>
+        </p:sp>
+        <p:sp>
+          <p:nvSpPr>
+            <p:cNvPr id="13" name="Rectangle 12">
+              <a:extLst>
+                <a:ext uri="{FF2B5EF4-FFF2-40B4-BE49-F238E27FC236}">
+                  <a16:creationId xmlns:a16="http://schemas.microsoft.com/office/drawing/2014/main" id="{0F8C44DD-E71D-4F1B-9C13-3502E152B6BF}"/>
+                </a:ext>
+              </a:extLst>
+            </p:cNvPr>
+            <p:cNvSpPr/>
+            <p:nvPr/>
+          </p:nvSpPr>
+          <p:spPr>
+            <a:xfrm>
+              <a:off x="3606800" y="3525520"/>
+              <a:ext cx="3302000" cy="487680"/>
+            </a:xfrm>
+            <a:prstGeom prst="rect">
+              <a:avLst/>
+            </a:prstGeom>
+            <a:solidFill>
+              <a:schemeClr val="bg1"/>
+            </a:solidFill>
+          </p:spPr>
+          <p:style>
+            <a:lnRef idx="2">
+              <a:schemeClr val="accent1">
+                <a:shade val="50000"/>
+              </a:schemeClr>
+            </a:lnRef>
+            <a:fillRef idx="1">
+              <a:schemeClr val="accent1"/>
+            </a:fillRef>
+            <a:effectRef idx="0">
+              <a:schemeClr val="accent1"/>
+            </a:effectRef>
+            <a:fontRef idx="minor">
+              <a:schemeClr val="lt1"/>
+            </a:fontRef>
+          </p:style>
+          <p:txBody>
+            <a:bodyPr rtlCol="0" anchor="ctr"/>
+            <a:lstStyle/>
+            <a:p>
+              <a:pPr algn="ctr"/>
+              <a:endParaRPr lang="en-GB"/>
+            </a:p>
+          </p:txBody>
+        </p:sp>
+        <p:sp>
+          <p:nvSpPr>
+            <p:cNvPr id="14" name="Rectangle 13">
+              <a:extLst>
+                <a:ext uri="{FF2B5EF4-FFF2-40B4-BE49-F238E27FC236}">
+                  <a16:creationId xmlns:a16="http://schemas.microsoft.com/office/drawing/2014/main" id="{E5E16676-C38A-4D5F-837E-9FDEE5E390D6}"/>
+                </a:ext>
+              </a:extLst>
+            </p:cNvPr>
+            <p:cNvSpPr/>
+            <p:nvPr/>
+          </p:nvSpPr>
+          <p:spPr>
+            <a:xfrm>
+              <a:off x="6908800" y="3048000"/>
+              <a:ext cx="4185920" cy="1402080"/>
+            </a:xfrm>
+            <a:prstGeom prst="rect">
+              <a:avLst/>
+            </a:prstGeom>
+            <a:solidFill>
+              <a:schemeClr val="bg1"/>
+            </a:solidFill>
+          </p:spPr>
+          <p:style>
+            <a:lnRef idx="2">
+              <a:schemeClr val="accent1">
+                <a:shade val="50000"/>
+              </a:schemeClr>
+            </a:lnRef>
+            <a:fillRef idx="1">
+              <a:schemeClr val="accent1"/>
+            </a:fillRef>
+            <a:effectRef idx="0">
+              <a:schemeClr val="accent1"/>
+            </a:effectRef>
+            <a:fontRef idx="minor">
+              <a:schemeClr val="lt1"/>
+            </a:fontRef>
+          </p:style>
+          <p:txBody>
+            <a:bodyPr rtlCol="0" anchor="ctr"/>
+            <a:lstStyle/>
+            <a:p>
+              <a:pPr algn="ctr"/>
+              <a:endParaRPr lang="en-GB"/>
+            </a:p>
+          </p:txBody>
+        </p:sp>
+        <p:sp>
+          <p:nvSpPr>
+            <p:cNvPr id="15" name="Rectangle 14">
+              <a:extLst>
+                <a:ext uri="{FF2B5EF4-FFF2-40B4-BE49-F238E27FC236}">
+                  <a16:creationId xmlns:a16="http://schemas.microsoft.com/office/drawing/2014/main" id="{15229E40-8307-4A89-BDD7-1F80D9EC8FB7}"/>
+                </a:ext>
+              </a:extLst>
+            </p:cNvPr>
+            <p:cNvSpPr/>
+            <p:nvPr/>
+          </p:nvSpPr>
+          <p:spPr>
+            <a:xfrm>
+              <a:off x="11094720" y="3429000"/>
+              <a:ext cx="619760" cy="482600"/>
+            </a:xfrm>
+            <a:prstGeom prst="rect">
+              <a:avLst/>
+            </a:prstGeom>
+            <a:solidFill>
+              <a:schemeClr val="tx1"/>
+            </a:solidFill>
+          </p:spPr>
+          <p:style>
+            <a:lnRef idx="2">
+              <a:schemeClr val="accent1">
+                <a:shade val="50000"/>
+              </a:schemeClr>
+            </a:lnRef>
+            <a:fillRef idx="1">
+              <a:schemeClr val="accent1"/>
+            </a:fillRef>
+            <a:effectRef idx="0">
+              <a:schemeClr val="accent1"/>
+            </a:effectRef>
+            <a:fontRef idx="minor">
+              <a:schemeClr val="lt1"/>
+            </a:fontRef>
+          </p:style>
+          <p:txBody>
+            <a:bodyPr rtlCol="0" anchor="ctr"/>
+            <a:lstStyle/>
+            <a:p>
+              <a:pPr algn="ctr"/>
+              <a:endParaRPr lang="en-GB"/>
+            </a:p>
+          </p:txBody>
+        </p:sp>
+        <p:sp>
+          <p:nvSpPr>
+            <p:cNvPr id="16" name="Oval 15">
+              <a:extLst>
+                <a:ext uri="{FF2B5EF4-FFF2-40B4-BE49-F238E27FC236}">
+                  <a16:creationId xmlns:a16="http://schemas.microsoft.com/office/drawing/2014/main" id="{97E761DC-4D6C-48CB-B8F2-E6EE020BBB5A}"/>
+                </a:ext>
+              </a:extLst>
+            </p:cNvPr>
+            <p:cNvSpPr/>
+            <p:nvPr/>
+          </p:nvSpPr>
+          <p:spPr>
+            <a:xfrm>
+              <a:off x="11353800" y="3725863"/>
+              <a:ext cx="106680" cy="73977"/>
+            </a:xfrm>
+            <a:prstGeom prst="ellipse">
+              <a:avLst/>
+            </a:prstGeom>
+            <a:solidFill>
+              <a:schemeClr val="bg1"/>
+            </a:solidFill>
+          </p:spPr>
+          <p:style>
+            <a:lnRef idx="2">
+              <a:schemeClr val="accent1">
+                <a:shade val="50000"/>
+              </a:schemeClr>
+            </a:lnRef>
+            <a:fillRef idx="1">
+              <a:schemeClr val="accent1"/>
+            </a:fillRef>
+            <a:effectRef idx="0">
+              <a:schemeClr val="accent1"/>
+            </a:effectRef>
+            <a:fontRef idx="minor">
+              <a:schemeClr val="lt1"/>
+            </a:fontRef>
+          </p:style>
+          <p:txBody>
+            <a:bodyPr rtlCol="0" anchor="ctr"/>
+            <a:lstStyle/>
+            <a:p>
+              <a:pPr algn="ctr"/>
+              <a:endParaRPr lang="en-GB"/>
+            </a:p>
+          </p:txBody>
+        </p:sp>
+        <p:sp>
+          <p:nvSpPr>
+            <p:cNvPr id="17" name="Oval 16">
+              <a:extLst>
+                <a:ext uri="{FF2B5EF4-FFF2-40B4-BE49-F238E27FC236}">
+                  <a16:creationId xmlns:a16="http://schemas.microsoft.com/office/drawing/2014/main" id="{67ACBAB4-321B-4DE1-922A-CF9844DD36D1}"/>
+                </a:ext>
+              </a:extLst>
+            </p:cNvPr>
+            <p:cNvSpPr/>
+            <p:nvPr/>
+          </p:nvSpPr>
+          <p:spPr>
+            <a:xfrm>
+              <a:off x="9432947" y="3227026"/>
+              <a:ext cx="1555706" cy="1145628"/>
+            </a:xfrm>
+            <a:prstGeom prst="ellipse">
+              <a:avLst/>
+            </a:prstGeom>
+            <a:solidFill>
+              <a:srgbClr val="FF0000"/>
+            </a:solidFill>
+          </p:spPr>
+          <p:style>
+            <a:lnRef idx="2">
+              <a:schemeClr val="accent1">
+                <a:shade val="50000"/>
+              </a:schemeClr>
+            </a:lnRef>
+            <a:fillRef idx="1">
+              <a:schemeClr val="accent1"/>
+            </a:fillRef>
+            <a:effectRef idx="0">
+              <a:schemeClr val="accent1"/>
+            </a:effectRef>
+            <a:fontRef idx="minor">
+              <a:schemeClr val="lt1"/>
+            </a:fontRef>
+          </p:style>
+          <p:txBody>
+            <a:bodyPr rtlCol="0" anchor="ctr"/>
+            <a:lstStyle/>
+            <a:p>
+              <a:pPr algn="ctr"/>
+              <a:endParaRPr lang="en-GB" dirty="0"/>
+            </a:p>
+          </p:txBody>
+        </p:sp>
+      </p:grpSp>
+    </p:spTree>
+    <p:extLst>
+      <p:ext uri="{BB962C8B-B14F-4D97-AF65-F5344CB8AC3E}">
+        <p14:creationId xmlns:p14="http://schemas.microsoft.com/office/powerpoint/2010/main" val="4050154869"/>
+      </p:ext>
+    </p:extLst>
+  </p:cSld>
+  <p:clrMapOvr>
+    <a:masterClrMapping/>
+  </p:clrMapOvr>
+</p:sld>
+</file>
+
+<file path=ppt/slides/slide16.xml><?xml version="1.0" encoding="utf-8"?>
+<p:sld xmlns:a="http://schemas.openxmlformats.org/drawingml/2006/main" xmlns:r="http://schemas.openxmlformats.org/officeDocument/2006/relationships" xmlns:p="http://schemas.openxmlformats.org/presentationml/2006/main">
+  <p:cSld>
+    <p:spTree>
+      <p:nvGrpSpPr>
+        <p:cNvPr id="1" name=""/>
+        <p:cNvGrpSpPr/>
+        <p:nvPr/>
+      </p:nvGrpSpPr>
+      <p:grpSpPr>
+        <a:xfrm>
+          <a:off x="0" y="0"/>
+          <a:ext cx="0" cy="0"/>
+          <a:chOff x="0" y="0"/>
+          <a:chExt cx="0" cy="0"/>
+        </a:xfrm>
+      </p:grpSpPr>
+      <p:sp>
+        <p:nvSpPr>
+          <p:cNvPr id="2" name="Title 1">
+            <a:extLst>
+              <a:ext uri="{FF2B5EF4-FFF2-40B4-BE49-F238E27FC236}">
                 <a16:creationId xmlns:a16="http://schemas.microsoft.com/office/drawing/2014/main" id="{08322670-6B4E-4ABF-B392-6FF38EB4FA35}"/>
               </a:ext>
             </a:extLst>
@@ -5928,7 +6401,7 @@
 </p:sld>
 </file>
 
-<file path=ppt/slides/slide16.xml><?xml version="1.0" encoding="utf-8"?>
+<file path=ppt/slides/slide17.xml><?xml version="1.0" encoding="utf-8"?>
 <p:sld xmlns:a="http://schemas.openxmlformats.org/drawingml/2006/main" xmlns:r="http://schemas.openxmlformats.org/officeDocument/2006/relationships" xmlns:p="http://schemas.openxmlformats.org/presentationml/2006/main">
   <p:cSld>
     <p:spTree>
@@ -7343,100 +7816,6 @@
 </p:sld>
 </file>
 
-<file path=ppt/slides/slide17.xml><?xml version="1.0" encoding="utf-8"?>
-<p:sld xmlns:a="http://schemas.openxmlformats.org/drawingml/2006/main" xmlns:r="http://schemas.openxmlformats.org/officeDocument/2006/relationships" xmlns:p="http://schemas.openxmlformats.org/presentationml/2006/main">
-  <p:cSld>
-    <p:spTree>
-      <p:nvGrpSpPr>
-        <p:cNvPr id="1" name=""/>
-        <p:cNvGrpSpPr/>
-        <p:nvPr/>
-      </p:nvGrpSpPr>
-      <p:grpSpPr>
-        <a:xfrm>
-          <a:off x="0" y="0"/>
-          <a:ext cx="0" cy="0"/>
-          <a:chOff x="0" y="0"/>
-          <a:chExt cx="0" cy="0"/>
-        </a:xfrm>
-      </p:grpSpPr>
-      <p:sp>
-        <p:nvSpPr>
-          <p:cNvPr id="2" name="Title 1">
-            <a:extLst>
-              <a:ext uri="{FF2B5EF4-FFF2-40B4-BE49-F238E27FC236}">
-                <a16:creationId xmlns:a16="http://schemas.microsoft.com/office/drawing/2014/main" id="{1FC55AC1-2982-4AF7-BD57-D376A6DD2F99}"/>
-              </a:ext>
-            </a:extLst>
-          </p:cNvPr>
-          <p:cNvSpPr>
-            <a:spLocks noGrp="1"/>
-          </p:cNvSpPr>
-          <p:nvPr>
-            <p:ph type="title"/>
-          </p:nvPr>
-        </p:nvSpPr>
-        <p:spPr/>
-        <p:txBody>
-          <a:bodyPr/>
-          <a:lstStyle/>
-          <a:p>
-            <a:r>
-              <a:rPr lang="en-GB" dirty="0"/>
-              <a:t>Examples: videos</a:t>
-            </a:r>
-          </a:p>
-        </p:txBody>
-      </p:sp>
-      <p:sp>
-        <p:nvSpPr>
-          <p:cNvPr id="3" name="Content Placeholder 2">
-            <a:extLst>
-              <a:ext uri="{FF2B5EF4-FFF2-40B4-BE49-F238E27FC236}">
-                <a16:creationId xmlns:a16="http://schemas.microsoft.com/office/drawing/2014/main" id="{8C2F569E-9C9F-4C25-8469-A56CD94469AC}"/>
-              </a:ext>
-            </a:extLst>
-          </p:cNvPr>
-          <p:cNvSpPr>
-            <a:spLocks noGrp="1"/>
-          </p:cNvSpPr>
-          <p:nvPr>
-            <p:ph idx="1"/>
-          </p:nvPr>
-        </p:nvSpPr>
-        <p:spPr/>
-        <p:txBody>
-          <a:bodyPr/>
-          <a:lstStyle/>
-          <a:p>
-            <a:r>
-              <a:rPr lang="en-GB" dirty="0"/>
-              <a:t>Insert </a:t>
-            </a:r>
-            <a:r>
-              <a:rPr lang="en-GB" dirty="0" err="1"/>
-              <a:t>massmotion</a:t>
-            </a:r>
-            <a:r>
-              <a:rPr lang="en-GB" dirty="0"/>
-              <a:t>, pathfinder, SIMULEX etc</a:t>
-            </a:r>
-          </a:p>
-        </p:txBody>
-      </p:sp>
-    </p:spTree>
-    <p:extLst>
-      <p:ext uri="{BB962C8B-B14F-4D97-AF65-F5344CB8AC3E}">
-        <p14:creationId xmlns:p14="http://schemas.microsoft.com/office/powerpoint/2010/main" val="4219919468"/>
-      </p:ext>
-    </p:extLst>
-  </p:cSld>
-  <p:clrMapOvr>
-    <a:masterClrMapping/>
-  </p:clrMapOvr>
-</p:sld>
-</file>
-
 <file path=ppt/slides/slide18.xml><?xml version="1.0" encoding="utf-8"?>
 <p:sld xmlns:a="http://schemas.openxmlformats.org/drawingml/2006/main" xmlns:r="http://schemas.openxmlformats.org/officeDocument/2006/relationships" xmlns:p="http://schemas.openxmlformats.org/presentationml/2006/main">
   <p:cSld>
@@ -7459,7 +7838,7 @@
           <p:cNvPr id="2" name="Title 1">
             <a:extLst>
               <a:ext uri="{FF2B5EF4-FFF2-40B4-BE49-F238E27FC236}">
-                <a16:creationId xmlns:a16="http://schemas.microsoft.com/office/drawing/2014/main" id="{1A87E17D-8A8C-4127-8A40-80EFE0CE694E}"/>
+                <a16:creationId xmlns:a16="http://schemas.microsoft.com/office/drawing/2014/main" id="{1FC55AC1-2982-4AF7-BD57-D376A6DD2F99}"/>
               </a:ext>
             </a:extLst>
           </p:cNvPr>
@@ -7477,7 +7856,7 @@
           <a:p>
             <a:r>
               <a:rPr lang="en-GB" dirty="0"/>
-              <a:t>So what do we need to know to properly model this?</a:t>
+              <a:t>Examples: videos</a:t>
             </a:r>
           </a:p>
         </p:txBody>
@@ -7487,7 +7866,7 @@
           <p:cNvPr id="3" name="Content Placeholder 2">
             <a:extLst>
               <a:ext uri="{FF2B5EF4-FFF2-40B4-BE49-F238E27FC236}">
-                <a16:creationId xmlns:a16="http://schemas.microsoft.com/office/drawing/2014/main" id="{1BDF774F-DDCA-4F8E-9807-723E6596B889}"/>
+                <a16:creationId xmlns:a16="http://schemas.microsoft.com/office/drawing/2014/main" id="{8C2F569E-9C9F-4C25-8469-A56CD94469AC}"/>
               </a:ext>
             </a:extLst>
           </p:cNvPr>
@@ -7505,48 +7884,23 @@
           <a:p>
             <a:r>
               <a:rPr lang="en-GB" dirty="0"/>
-              <a:t>	Data analysis and generation methods</a:t>
-            </a:r>
-          </a:p>
-          <a:p>
-            <a:r>
-              <a:rPr lang="en-GB" dirty="0"/>
-              <a:t>	Simulation</a:t>
-            </a:r>
-          </a:p>
-          <a:p>
-            <a:r>
-              <a:rPr lang="en-GB" dirty="0"/>
-              <a:t>	Psychology</a:t>
-            </a:r>
-          </a:p>
-          <a:p>
-            <a:r>
-              <a:rPr lang="en-GB" dirty="0"/>
-              <a:t>	Physiology: step length, fitness levels, typical anatomy and morphology. Density estimations.</a:t>
-            </a:r>
-          </a:p>
-          <a:p>
-            <a:r>
-              <a:rPr lang="en-GB" dirty="0"/>
-              <a:t>	Learning and cognitive processes</a:t>
-            </a:r>
-          </a:p>
-          <a:p>
-            <a:r>
-              <a:rPr lang="en-GB" dirty="0"/>
-              <a:t>	Building design and codes</a:t>
-            </a:r>
-          </a:p>
-          <a:p>
-            <a:endParaRPr lang="en-GB" dirty="0"/>
+              <a:t>Insert </a:t>
+            </a:r>
+            <a:r>
+              <a:rPr lang="en-GB" dirty="0" err="1"/>
+              <a:t>massmotion</a:t>
+            </a:r>
+            <a:r>
+              <a:rPr lang="en-GB" dirty="0"/>
+              <a:t>, pathfinder, SIMULEX etc</a:t>
+            </a:r>
           </a:p>
         </p:txBody>
       </p:sp>
     </p:spTree>
     <p:extLst>
       <p:ext uri="{BB962C8B-B14F-4D97-AF65-F5344CB8AC3E}">
-        <p14:creationId xmlns:p14="http://schemas.microsoft.com/office/powerpoint/2010/main" val="2764636776"/>
+        <p14:creationId xmlns:p14="http://schemas.microsoft.com/office/powerpoint/2010/main" val="4219919468"/>
       </p:ext>
     </p:extLst>
   </p:cSld>
@@ -7578,7 +7932,7 @@
           <p:cNvPr id="2" name="Title 1">
             <a:extLst>
               <a:ext uri="{FF2B5EF4-FFF2-40B4-BE49-F238E27FC236}">
-                <a16:creationId xmlns:a16="http://schemas.microsoft.com/office/drawing/2014/main" id="{89CAB9B9-F964-44D6-AEFF-930060E7EFB3}"/>
+                <a16:creationId xmlns:a16="http://schemas.microsoft.com/office/drawing/2014/main" id="{1A87E17D-8A8C-4127-8A40-80EFE0CE694E}"/>
               </a:ext>
             </a:extLst>
           </p:cNvPr>
@@ -7596,7 +7950,7 @@
           <a:p>
             <a:r>
               <a:rPr lang="en-GB" dirty="0"/>
-              <a:t>How can this help?</a:t>
+              <a:t>So what do we need to know to properly model this?</a:t>
             </a:r>
           </a:p>
         </p:txBody>
@@ -7606,7 +7960,7 @@
           <p:cNvPr id="3" name="Content Placeholder 2">
             <a:extLst>
               <a:ext uri="{FF2B5EF4-FFF2-40B4-BE49-F238E27FC236}">
-                <a16:creationId xmlns:a16="http://schemas.microsoft.com/office/drawing/2014/main" id="{23462E2E-F2B0-4BFF-963D-9A3A7874B9AB}"/>
+                <a16:creationId xmlns:a16="http://schemas.microsoft.com/office/drawing/2014/main" id="{1BDF774F-DDCA-4F8E-9807-723E6596B889}"/>
               </a:ext>
             </a:extLst>
           </p:cNvPr>
@@ -7624,35 +7978,48 @@
           <a:p>
             <a:r>
               <a:rPr lang="en-GB" dirty="0"/>
-              <a:t>Influence new designs</a:t>
-            </a:r>
-          </a:p>
-          <a:p>
-            <a:r>
-              <a:rPr lang="en-GB" dirty="0"/>
-              <a:t>Retrofit existing buildings</a:t>
-            </a:r>
-          </a:p>
-          <a:p>
-            <a:r>
-              <a:rPr lang="en-GB" dirty="0"/>
-              <a:t>Support real-time decision making (</a:t>
-            </a:r>
-            <a:r>
-              <a:rPr lang="en-GB" dirty="0" err="1"/>
-              <a:t>esp</a:t>
-            </a:r>
-            <a:r>
-              <a:rPr lang="en-GB" dirty="0"/>
-              <a:t>: emergencies)</a:t>
-            </a:r>
+              <a:t>	Data analysis and generation methods</a:t>
+            </a:r>
+          </a:p>
+          <a:p>
+            <a:r>
+              <a:rPr lang="en-GB" dirty="0"/>
+              <a:t>	Simulation</a:t>
+            </a:r>
+          </a:p>
+          <a:p>
+            <a:r>
+              <a:rPr lang="en-GB" dirty="0"/>
+              <a:t>	Psychology</a:t>
+            </a:r>
+          </a:p>
+          <a:p>
+            <a:r>
+              <a:rPr lang="en-GB" dirty="0"/>
+              <a:t>	Physiology: step length, fitness levels, typical anatomy and morphology. Density estimations.</a:t>
+            </a:r>
+          </a:p>
+          <a:p>
+            <a:r>
+              <a:rPr lang="en-GB" dirty="0"/>
+              <a:t>	Learning and cognitive processes</a:t>
+            </a:r>
+          </a:p>
+          <a:p>
+            <a:r>
+              <a:rPr lang="en-GB" dirty="0"/>
+              <a:t>	Building design and codes</a:t>
+            </a:r>
+          </a:p>
+          <a:p>
+            <a:endParaRPr lang="en-GB" dirty="0"/>
           </a:p>
         </p:txBody>
       </p:sp>
     </p:spTree>
     <p:extLst>
       <p:ext uri="{BB962C8B-B14F-4D97-AF65-F5344CB8AC3E}">
-        <p14:creationId xmlns:p14="http://schemas.microsoft.com/office/powerpoint/2010/main" val="4140933311"/>
+        <p14:creationId xmlns:p14="http://schemas.microsoft.com/office/powerpoint/2010/main" val="2764636776"/>
       </p:ext>
     </p:extLst>
   </p:cSld>
@@ -7791,7 +8158,7 @@
           <p:cNvPr id="2" name="Title 1">
             <a:extLst>
               <a:ext uri="{FF2B5EF4-FFF2-40B4-BE49-F238E27FC236}">
-                <a16:creationId xmlns:a16="http://schemas.microsoft.com/office/drawing/2014/main" id="{BDF5B6FC-CBCC-4432-AD50-47E5E0C05C03}"/>
+                <a16:creationId xmlns:a16="http://schemas.microsoft.com/office/drawing/2014/main" id="{89CAB9B9-F964-44D6-AEFF-930060E7EFB3}"/>
               </a:ext>
             </a:extLst>
           </p:cNvPr>
@@ -7809,7 +8176,7 @@
           <a:p>
             <a:r>
               <a:rPr lang="en-GB" dirty="0"/>
-              <a:t>Workshop: build fundamental diagram</a:t>
+              <a:t>How can this help?</a:t>
             </a:r>
           </a:p>
         </p:txBody>
@@ -7819,7 +8186,7 @@
           <p:cNvPr id="3" name="Content Placeholder 2">
             <a:extLst>
               <a:ext uri="{FF2B5EF4-FFF2-40B4-BE49-F238E27FC236}">
-                <a16:creationId xmlns:a16="http://schemas.microsoft.com/office/drawing/2014/main" id="{66D1EE25-E5C1-40ED-9CA5-21D45BF3E2E6}"/>
+                <a16:creationId xmlns:a16="http://schemas.microsoft.com/office/drawing/2014/main" id="{23462E2E-F2B0-4BFF-963D-9A3A7874B9AB}"/>
               </a:ext>
             </a:extLst>
           </p:cNvPr>
@@ -7835,14 +8202,39 @@
           <a:bodyPr/>
           <a:lstStyle/>
           <a:p>
+            <a:r>
+              <a:rPr lang="en-GB" dirty="0"/>
+              <a:t>Influence new designs</a:t>
+            </a:r>
+          </a:p>
+          <a:p>
             <a:endParaRPr lang="en-GB" dirty="0"/>
+          </a:p>
+          <a:p>
+            <a:r>
+              <a:rPr lang="en-GB" dirty="0"/>
+              <a:t>Retrofit </a:t>
+            </a:r>
+            <a:r>
+              <a:rPr lang="en-GB"/>
+              <a:t>existing buildings</a:t>
+            </a:r>
+          </a:p>
+          <a:p>
+            <a:endParaRPr lang="en-GB" dirty="0"/>
+          </a:p>
+          <a:p>
+            <a:r>
+              <a:rPr lang="en-GB" dirty="0"/>
+              <a:t>Support real-time decision making (especially in emergencies)</a:t>
+            </a:r>
           </a:p>
         </p:txBody>
       </p:sp>
     </p:spTree>
     <p:extLst>
       <p:ext uri="{BB962C8B-B14F-4D97-AF65-F5344CB8AC3E}">
-        <p14:creationId xmlns:p14="http://schemas.microsoft.com/office/powerpoint/2010/main" val="835170155"/>
+        <p14:creationId xmlns:p14="http://schemas.microsoft.com/office/powerpoint/2010/main" val="4140933311"/>
       </p:ext>
     </p:extLst>
   </p:cSld>
@@ -7874,7 +8266,7 @@
           <p:cNvPr id="2" name="Title 1">
             <a:extLst>
               <a:ext uri="{FF2B5EF4-FFF2-40B4-BE49-F238E27FC236}">
-                <a16:creationId xmlns:a16="http://schemas.microsoft.com/office/drawing/2014/main" id="{207FCBCD-BDD8-4EAF-9C69-0E66E14359AC}"/>
+                <a16:creationId xmlns:a16="http://schemas.microsoft.com/office/drawing/2014/main" id="{BDF5B6FC-CBCC-4432-AD50-47E5E0C05C03}"/>
               </a:ext>
             </a:extLst>
           </p:cNvPr>
@@ -7892,7 +8284,7 @@
           <a:p>
             <a:r>
               <a:rPr lang="en-GB" dirty="0"/>
-              <a:t>Workshop: Hydraulic model</a:t>
+              <a:t>Workshop: build fundamental diagram</a:t>
             </a:r>
           </a:p>
         </p:txBody>
@@ -7902,7 +8294,7 @@
           <p:cNvPr id="3" name="Content Placeholder 2">
             <a:extLst>
               <a:ext uri="{FF2B5EF4-FFF2-40B4-BE49-F238E27FC236}">
-                <a16:creationId xmlns:a16="http://schemas.microsoft.com/office/drawing/2014/main" id="{B2D4783A-B212-4876-B12A-96088A92E08E}"/>
+                <a16:creationId xmlns:a16="http://schemas.microsoft.com/office/drawing/2014/main" id="{66D1EE25-E5C1-40ED-9CA5-21D45BF3E2E6}"/>
               </a:ext>
             </a:extLst>
           </p:cNvPr>
@@ -7919,49 +8311,14 @@
           <a:lstStyle/>
           <a:p>
             <a:r>
-              <a:rPr lang="en-GB" dirty="0" err="1"/>
-              <a:t>Skempton</a:t>
-            </a:r>
-            <a:r>
-              <a:rPr lang="en-GB" dirty="0"/>
-              <a:t> building. How long does it take for this room to evacuate the building?</a:t>
-            </a:r>
-          </a:p>
-          <a:p>
-            <a:r>
-              <a:rPr lang="en-GB" dirty="0"/>
-              <a:t>Assumptions: </a:t>
-            </a:r>
-          </a:p>
-          <a:p>
-            <a:pPr lvl="1"/>
-            <a:r>
-              <a:rPr lang="en-GB" dirty="0"/>
-              <a:t>Rest of the building is empty</a:t>
-            </a:r>
-          </a:p>
-          <a:p>
-            <a:pPr lvl="1"/>
-            <a:r>
-              <a:rPr lang="en-GB" dirty="0"/>
-              <a:t>All room occupants follow the same, shortest path</a:t>
-            </a:r>
-          </a:p>
-          <a:p>
-            <a:pPr lvl="1"/>
-            <a:r>
-              <a:rPr lang="en-GB" dirty="0"/>
-              <a:t>All occupants follow standard speed/flow/density relationships</a:t>
-            </a:r>
-          </a:p>
-          <a:p>
-            <a:pPr lvl="1"/>
-            <a:endParaRPr lang="en-GB" dirty="0"/>
-          </a:p>
-          <a:p>
-            <a:r>
-              <a:rPr lang="en-GB" dirty="0"/>
-              <a:t>45 minutes, work in groups, present answers for 15 minutes.</a:t>
+              <a:rPr lang="en-GB" dirty="0"/>
+              <a:t>Rope circle: 2m^2</a:t>
+            </a:r>
+          </a:p>
+          <a:p>
+            <a:r>
+              <a:rPr lang="en-GB" dirty="0"/>
+              <a:t>3-8 people</a:t>
             </a:r>
           </a:p>
         </p:txBody>
@@ -7969,7 +8326,7 @@
     </p:spTree>
     <p:extLst>
       <p:ext uri="{BB962C8B-B14F-4D97-AF65-F5344CB8AC3E}">
-        <p14:creationId xmlns:p14="http://schemas.microsoft.com/office/powerpoint/2010/main" val="1694227799"/>
+        <p14:creationId xmlns:p14="http://schemas.microsoft.com/office/powerpoint/2010/main" val="835170155"/>
       </p:ext>
     </p:extLst>
   </p:cSld>
@@ -8001,7 +8358,7 @@
           <p:cNvPr id="2" name="Title 1">
             <a:extLst>
               <a:ext uri="{FF2B5EF4-FFF2-40B4-BE49-F238E27FC236}">
-                <a16:creationId xmlns:a16="http://schemas.microsoft.com/office/drawing/2014/main" id="{7EBCCDF9-A1E2-4143-A11E-28A4E0526A8B}"/>
+                <a16:creationId xmlns:a16="http://schemas.microsoft.com/office/drawing/2014/main" id="{207FCBCD-BDD8-4EAF-9C69-0E66E14359AC}"/>
               </a:ext>
             </a:extLst>
           </p:cNvPr>
@@ -8018,63 +8375,85 @@
           <a:lstStyle/>
           <a:p>
             <a:r>
+              <a:rPr lang="en-GB" dirty="0"/>
+              <a:t>Workshop: Hydraulic model</a:t>
+            </a:r>
+          </a:p>
+        </p:txBody>
+      </p:sp>
+      <p:sp>
+        <p:nvSpPr>
+          <p:cNvPr id="3" name="Content Placeholder 2">
+            <a:extLst>
+              <a:ext uri="{FF2B5EF4-FFF2-40B4-BE49-F238E27FC236}">
+                <a16:creationId xmlns:a16="http://schemas.microsoft.com/office/drawing/2014/main" id="{B2D4783A-B212-4876-B12A-96088A92E08E}"/>
+              </a:ext>
+            </a:extLst>
+          </p:cNvPr>
+          <p:cNvSpPr>
+            <a:spLocks noGrp="1"/>
+          </p:cNvSpPr>
+          <p:nvPr>
+            <p:ph idx="1"/>
+          </p:nvPr>
+        </p:nvSpPr>
+        <p:spPr/>
+        <p:txBody>
+          <a:bodyPr/>
+          <a:lstStyle/>
+          <a:p>
+            <a:r>
               <a:rPr lang="en-GB" dirty="0" err="1"/>
-              <a:t>Mentimeter</a:t>
-            </a:r>
-            <a:r>
-              <a:rPr lang="en-GB" dirty="0"/>
-              <a:t> poll</a:t>
-            </a:r>
-          </a:p>
-        </p:txBody>
-      </p:sp>
-      <p:sp>
-        <p:nvSpPr>
-          <p:cNvPr id="3" name="Content Placeholder 2">
-            <a:extLst>
-              <a:ext uri="{FF2B5EF4-FFF2-40B4-BE49-F238E27FC236}">
-                <a16:creationId xmlns:a16="http://schemas.microsoft.com/office/drawing/2014/main" id="{1B921DBF-5B75-449F-B43A-0A93285800EE}"/>
-              </a:ext>
-            </a:extLst>
-          </p:cNvPr>
-          <p:cNvSpPr>
-            <a:spLocks noGrp="1"/>
-          </p:cNvSpPr>
-          <p:nvPr>
-            <p:ph idx="1"/>
-          </p:nvPr>
-        </p:nvSpPr>
-        <p:spPr/>
-        <p:txBody>
-          <a:bodyPr/>
-          <a:lstStyle/>
-          <a:p>
-            <a:r>
-              <a:rPr lang="en-GB" dirty="0"/>
-              <a:t>The hydraulic model can accommodate different demographic characteristics: TRUE/FALSE</a:t>
-            </a:r>
-          </a:p>
-          <a:p>
-            <a:r>
-              <a:rPr lang="en-GB" dirty="0"/>
-              <a:t>The hydraulic model is an agent based model: TRUE/FALSE</a:t>
-            </a:r>
-          </a:p>
-          <a:p>
-            <a:r>
-              <a:rPr lang="en-GB" dirty="0"/>
-              <a:t>I want to look at the evacuation of a city, what type of model should I use: MACRO/MICRO/MESO</a:t>
-            </a:r>
-          </a:p>
-          <a:p>
+              <a:t>Skempton</a:t>
+            </a:r>
+            <a:r>
+              <a:rPr lang="en-GB" dirty="0"/>
+              <a:t> building. How long does it take for this room to evacuate the building?</a:t>
+            </a:r>
+          </a:p>
+          <a:p>
+            <a:r>
+              <a:rPr lang="en-GB" dirty="0"/>
+              <a:t>Assumptions: </a:t>
+            </a:r>
+          </a:p>
+          <a:p>
+            <a:pPr lvl="1"/>
+            <a:r>
+              <a:rPr lang="en-GB" dirty="0"/>
+              <a:t>Rest of the building is empty</a:t>
+            </a:r>
+          </a:p>
+          <a:p>
+            <a:pPr lvl="1"/>
+            <a:r>
+              <a:rPr lang="en-GB" dirty="0"/>
+              <a:t>All room occupants follow the same, shortest path</a:t>
+            </a:r>
+          </a:p>
+          <a:p>
+            <a:pPr lvl="1"/>
+            <a:r>
+              <a:rPr lang="en-GB" dirty="0"/>
+              <a:t>All occupants follow standard speed/flow/density relationships</a:t>
+            </a:r>
+          </a:p>
+          <a:p>
+            <a:pPr lvl="1"/>
             <a:endParaRPr lang="en-GB" dirty="0"/>
+          </a:p>
+          <a:p>
+            <a:r>
+              <a:rPr lang="en-GB" dirty="0"/>
+              <a:t>45 minutes, work in groups, present answers for 15 minutes.</a:t>
+            </a:r>
           </a:p>
         </p:txBody>
       </p:sp>
     </p:spTree>
     <p:extLst>
       <p:ext uri="{BB962C8B-B14F-4D97-AF65-F5344CB8AC3E}">
-        <p14:creationId xmlns:p14="http://schemas.microsoft.com/office/powerpoint/2010/main" val="3512911443"/>
+        <p14:creationId xmlns:p14="http://schemas.microsoft.com/office/powerpoint/2010/main" val="1694227799"/>
       </p:ext>
     </p:extLst>
   </p:cSld>
@@ -8106,7 +8485,7 @@
           <p:cNvPr id="2" name="Title 1">
             <a:extLst>
               <a:ext uri="{FF2B5EF4-FFF2-40B4-BE49-F238E27FC236}">
-                <a16:creationId xmlns:a16="http://schemas.microsoft.com/office/drawing/2014/main" id="{29744FCE-15D3-49EC-AB0B-8B3BBFBCFD39}"/>
+                <a16:creationId xmlns:a16="http://schemas.microsoft.com/office/drawing/2014/main" id="{7EBCCDF9-A1E2-4143-A11E-28A4E0526A8B}"/>
               </a:ext>
             </a:extLst>
           </p:cNvPr>
@@ -8121,56 +8500,6 @@
         <p:txBody>
           <a:bodyPr/>
           <a:lstStyle/>
-          <a:p>
-            <a:r>
-              <a:rPr lang="en-GB" dirty="0"/>
-              <a:t>Intro to remainder of course</a:t>
-            </a:r>
-          </a:p>
-        </p:txBody>
-      </p:sp>
-      <p:sp>
-        <p:nvSpPr>
-          <p:cNvPr id="3" name="Content Placeholder 2">
-            <a:extLst>
-              <a:ext uri="{FF2B5EF4-FFF2-40B4-BE49-F238E27FC236}">
-                <a16:creationId xmlns:a16="http://schemas.microsoft.com/office/drawing/2014/main" id="{AE054828-0457-47BF-BE8A-76FB2074FD59}"/>
-              </a:ext>
-            </a:extLst>
-          </p:cNvPr>
-          <p:cNvSpPr>
-            <a:spLocks noGrp="1"/>
-          </p:cNvSpPr>
-          <p:nvPr>
-            <p:ph idx="1"/>
-          </p:nvPr>
-        </p:nvSpPr>
-        <p:spPr/>
-        <p:txBody>
-          <a:bodyPr>
-            <a:normAutofit lnSpcReduction="10000"/>
-          </a:bodyPr>
-          <a:lstStyle/>
-          <a:p>
-            <a:r>
-              <a:rPr lang="en-GB" dirty="0"/>
-              <a:t>Flipped approach.</a:t>
-            </a:r>
-          </a:p>
-          <a:p>
-            <a:pPr lvl="1"/>
-            <a:r>
-              <a:rPr lang="en-GB" dirty="0"/>
-              <a:t>We will be releasing videos on blackboard. You need to watch these before turning up to the class.</a:t>
-            </a:r>
-          </a:p>
-          <a:p>
-            <a:pPr lvl="1"/>
-            <a:r>
-              <a:rPr lang="en-GB" dirty="0"/>
-              <a:t>The classes will be workshops aimed at supporting the lecture material.</a:t>
-            </a:r>
-          </a:p>
           <a:p>
             <a:r>
               <a:rPr lang="en-GB" dirty="0" err="1"/>
@@ -8178,20 +8507,186 @@
             </a:r>
             <a:r>
               <a:rPr lang="en-GB" dirty="0"/>
-              <a:t> polls</a:t>
+              <a:t> poll</a:t>
+            </a:r>
+          </a:p>
+        </p:txBody>
+      </p:sp>
+      <p:sp>
+        <p:nvSpPr>
+          <p:cNvPr id="3" name="Content Placeholder 2">
+            <a:extLst>
+              <a:ext uri="{FF2B5EF4-FFF2-40B4-BE49-F238E27FC236}">
+                <a16:creationId xmlns:a16="http://schemas.microsoft.com/office/drawing/2014/main" id="{1B921DBF-5B75-449F-B43A-0A93285800EE}"/>
+              </a:ext>
+            </a:extLst>
+          </p:cNvPr>
+          <p:cNvSpPr>
+            <a:spLocks noGrp="1"/>
+          </p:cNvSpPr>
+          <p:nvPr>
+            <p:ph idx="1"/>
+          </p:nvPr>
+        </p:nvSpPr>
+        <p:spPr/>
+        <p:txBody>
+          <a:bodyPr/>
+          <a:lstStyle/>
+          <a:p>
+            <a:r>
+              <a:rPr lang="en-GB" dirty="0"/>
+              <a:t>The hydraulic model can accommodate different demographic characteristics: TRUE/FALSE</a:t>
+            </a:r>
+          </a:p>
+          <a:p>
+            <a:r>
+              <a:rPr lang="en-GB" dirty="0"/>
+              <a:t>The hydraulic model is an agent based model: TRUE/FALSE</a:t>
+            </a:r>
+          </a:p>
+          <a:p>
+            <a:r>
+              <a:rPr lang="en-GB" dirty="0"/>
+              <a:t>I want to look at the evacuation of a city, what type of model should I use: MACRO/MICRO/MESO</a:t>
+            </a:r>
+          </a:p>
+          <a:p>
+            <a:endParaRPr lang="en-GB" dirty="0"/>
+          </a:p>
+        </p:txBody>
+      </p:sp>
+    </p:spTree>
+    <p:extLst>
+      <p:ext uri="{BB962C8B-B14F-4D97-AF65-F5344CB8AC3E}">
+        <p14:creationId xmlns:p14="http://schemas.microsoft.com/office/powerpoint/2010/main" val="3512911443"/>
+      </p:ext>
+    </p:extLst>
+  </p:cSld>
+  <p:clrMapOvr>
+    <a:masterClrMapping/>
+  </p:clrMapOvr>
+</p:sld>
+</file>
+
+<file path=ppt/slides/slide24.xml><?xml version="1.0" encoding="utf-8"?>
+<p:sld xmlns:a="http://schemas.openxmlformats.org/drawingml/2006/main" xmlns:r="http://schemas.openxmlformats.org/officeDocument/2006/relationships" xmlns:p="http://schemas.openxmlformats.org/presentationml/2006/main">
+  <p:cSld>
+    <p:spTree>
+      <p:nvGrpSpPr>
+        <p:cNvPr id="1" name=""/>
+        <p:cNvGrpSpPr/>
+        <p:nvPr/>
+      </p:nvGrpSpPr>
+      <p:grpSpPr>
+        <a:xfrm>
+          <a:off x="0" y="0"/>
+          <a:ext cx="0" cy="0"/>
+          <a:chOff x="0" y="0"/>
+          <a:chExt cx="0" cy="0"/>
+        </a:xfrm>
+      </p:grpSpPr>
+      <p:sp>
+        <p:nvSpPr>
+          <p:cNvPr id="2" name="Title 1">
+            <a:extLst>
+              <a:ext uri="{FF2B5EF4-FFF2-40B4-BE49-F238E27FC236}">
+                <a16:creationId xmlns:a16="http://schemas.microsoft.com/office/drawing/2014/main" id="{29744FCE-15D3-49EC-AB0B-8B3BBFBCFD39}"/>
+              </a:ext>
+            </a:extLst>
+          </p:cNvPr>
+          <p:cNvSpPr>
+            <a:spLocks noGrp="1"/>
+          </p:cNvSpPr>
+          <p:nvPr>
+            <p:ph type="title"/>
+          </p:nvPr>
+        </p:nvSpPr>
+        <p:spPr/>
+        <p:txBody>
+          <a:bodyPr/>
+          <a:lstStyle/>
+          <a:p>
+            <a:r>
+              <a:rPr lang="en-GB" dirty="0"/>
+              <a:t>Intro to remainder of course</a:t>
+            </a:r>
+          </a:p>
+        </p:txBody>
+      </p:sp>
+      <p:sp>
+        <p:nvSpPr>
+          <p:cNvPr id="3" name="Content Placeholder 2">
+            <a:extLst>
+              <a:ext uri="{FF2B5EF4-FFF2-40B4-BE49-F238E27FC236}">
+                <a16:creationId xmlns:a16="http://schemas.microsoft.com/office/drawing/2014/main" id="{AE054828-0457-47BF-BE8A-76FB2074FD59}"/>
+              </a:ext>
+            </a:extLst>
+          </p:cNvPr>
+          <p:cNvSpPr>
+            <a:spLocks noGrp="1"/>
+          </p:cNvSpPr>
+          <p:nvPr>
+            <p:ph idx="1"/>
+          </p:nvPr>
+        </p:nvSpPr>
+        <p:spPr/>
+        <p:txBody>
+          <a:bodyPr>
+            <a:normAutofit/>
+          </a:bodyPr>
+          <a:lstStyle/>
+          <a:p>
+            <a:r>
+              <a:rPr lang="en-GB" dirty="0"/>
+              <a:t>Flipped approach</a:t>
             </a:r>
           </a:p>
           <a:p>
             <a:pPr lvl="1"/>
             <a:r>
               <a:rPr lang="en-GB" dirty="0"/>
-              <a:t>These will be performed at the beginning of the classes. </a:t>
+              <a:t>Online lectures</a:t>
+            </a:r>
+          </a:p>
+          <a:p>
+            <a:pPr lvl="2"/>
+            <a:r>
+              <a:rPr lang="en-GB" dirty="0"/>
+              <a:t>We will be releasing videos on blackboard. You need to watch these before turning up to the class</a:t>
             </a:r>
           </a:p>
           <a:p>
             <a:pPr lvl="1"/>
             <a:r>
               <a:rPr lang="en-GB" dirty="0"/>
+              <a:t>Workshops</a:t>
+            </a:r>
+          </a:p>
+          <a:p>
+            <a:pPr lvl="2"/>
+            <a:r>
+              <a:rPr lang="en-GB" dirty="0"/>
+              <a:t>Hand-on learning and practice of lecture material</a:t>
+            </a:r>
+          </a:p>
+          <a:p>
+            <a:pPr lvl="2"/>
+            <a:endParaRPr lang="en-GB" dirty="0"/>
+          </a:p>
+          <a:p>
+            <a:r>
+              <a:rPr lang="en-GB" dirty="0" err="1"/>
+              <a:t>Mentimeter</a:t>
+            </a:r>
+            <a:r>
+              <a:rPr lang="en-GB" dirty="0"/>
+              <a:t> quizzes</a:t>
+            </a:r>
+          </a:p>
+          <a:p>
+            <a:pPr lvl="1"/>
+            <a:r>
+              <a:rPr lang="en-GB" dirty="0"/>
               <a:t>They will cover the work done in the previous workshop, as well as the lectures you have watched.</a:t>
             </a:r>
           </a:p>
@@ -8199,20 +8694,7 @@
             <a:pPr lvl="1"/>
             <a:r>
               <a:rPr lang="en-GB" dirty="0"/>
-              <a:t>They will form part of your coursework mark</a:t>
-            </a:r>
-          </a:p>
-          <a:p>
-            <a:r>
-              <a:rPr lang="en-GB" dirty="0"/>
-              <a:t>BB assessments.</a:t>
-            </a:r>
-          </a:p>
-          <a:p>
-            <a:pPr lvl="1"/>
-            <a:r>
-              <a:rPr lang="en-GB" dirty="0"/>
-              <a:t>They will be performed </a:t>
+              <a:t>They will form part of your coursework mark.</a:t>
             </a:r>
           </a:p>
         </p:txBody>
